--- a/one.pptx
+++ b/one.pptx
@@ -197,7 +197,7 @@
           <a:p>
             <a:fld id="{DBA658C0-BD74-4113-97CD-95EB4D04244F}" type="datetimeFigureOut">
               <a:rPr lang="en-US" smtClean="0"/>
-              <a:t>12/14/2015</a:t>
+              <a:t>2016-04-16</a:t>
             </a:fld>
             <a:endParaRPr lang="en-US"/>
           </a:p>
@@ -680,7 +680,7 @@
           <a:p>
             <a:fld id="{2C4282D9-4377-4A76-B836-F573A2915493}" type="datetimeFigureOut">
               <a:rPr lang="en-US" smtClean="0"/>
-              <a:t>12/14/2015</a:t>
+              <a:t>2016-04-16</a:t>
             </a:fld>
             <a:endParaRPr lang="en-US"/>
           </a:p>
@@ -850,7 +850,7 @@
           <a:p>
             <a:fld id="{2C4282D9-4377-4A76-B836-F573A2915493}" type="datetimeFigureOut">
               <a:rPr lang="en-US" smtClean="0"/>
-              <a:t>12/14/2015</a:t>
+              <a:t>2016-04-16</a:t>
             </a:fld>
             <a:endParaRPr lang="en-US"/>
           </a:p>
@@ -1030,7 +1030,7 @@
           <a:p>
             <a:fld id="{2C4282D9-4377-4A76-B836-F573A2915493}" type="datetimeFigureOut">
               <a:rPr lang="en-US" smtClean="0"/>
-              <a:t>12/14/2015</a:t>
+              <a:t>2016-04-16</a:t>
             </a:fld>
             <a:endParaRPr lang="en-US"/>
           </a:p>
@@ -1200,7 +1200,7 @@
           <a:p>
             <a:fld id="{2C4282D9-4377-4A76-B836-F573A2915493}" type="datetimeFigureOut">
               <a:rPr lang="en-US" smtClean="0"/>
-              <a:t>12/14/2015</a:t>
+              <a:t>2016-04-16</a:t>
             </a:fld>
             <a:endParaRPr lang="en-US"/>
           </a:p>
@@ -1446,7 +1446,7 @@
           <a:p>
             <a:fld id="{2C4282D9-4377-4A76-B836-F573A2915493}" type="datetimeFigureOut">
               <a:rPr lang="en-US" smtClean="0"/>
-              <a:t>12/14/2015</a:t>
+              <a:t>2016-04-16</a:t>
             </a:fld>
             <a:endParaRPr lang="en-US"/>
           </a:p>
@@ -1678,7 +1678,7 @@
           <a:p>
             <a:fld id="{2C4282D9-4377-4A76-B836-F573A2915493}" type="datetimeFigureOut">
               <a:rPr lang="en-US" smtClean="0"/>
-              <a:t>12/14/2015</a:t>
+              <a:t>2016-04-16</a:t>
             </a:fld>
             <a:endParaRPr lang="en-US"/>
           </a:p>
@@ -2045,7 +2045,7 @@
           <a:p>
             <a:fld id="{2C4282D9-4377-4A76-B836-F573A2915493}" type="datetimeFigureOut">
               <a:rPr lang="en-US" smtClean="0"/>
-              <a:t>12/14/2015</a:t>
+              <a:t>2016-04-16</a:t>
             </a:fld>
             <a:endParaRPr lang="en-US"/>
           </a:p>
@@ -2163,7 +2163,7 @@
           <a:p>
             <a:fld id="{2C4282D9-4377-4A76-B836-F573A2915493}" type="datetimeFigureOut">
               <a:rPr lang="en-US" smtClean="0"/>
-              <a:t>12/14/2015</a:t>
+              <a:t>2016-04-16</a:t>
             </a:fld>
             <a:endParaRPr lang="en-US"/>
           </a:p>
@@ -2258,7 +2258,7 @@
           <a:p>
             <a:fld id="{2C4282D9-4377-4A76-B836-F573A2915493}" type="datetimeFigureOut">
               <a:rPr lang="en-US" smtClean="0"/>
-              <a:t>12/14/2015</a:t>
+              <a:t>2016-04-16</a:t>
             </a:fld>
             <a:endParaRPr lang="en-US"/>
           </a:p>
@@ -2535,7 +2535,7 @@
           <a:p>
             <a:fld id="{2C4282D9-4377-4A76-B836-F573A2915493}" type="datetimeFigureOut">
               <a:rPr lang="en-US" smtClean="0"/>
-              <a:t>12/14/2015</a:t>
+              <a:t>2016-04-16</a:t>
             </a:fld>
             <a:endParaRPr lang="en-US"/>
           </a:p>
@@ -2788,7 +2788,7 @@
           <a:p>
             <a:fld id="{2C4282D9-4377-4A76-B836-F573A2915493}" type="datetimeFigureOut">
               <a:rPr lang="en-US" smtClean="0"/>
-              <a:t>12/14/2015</a:t>
+              <a:t>2016-04-16</a:t>
             </a:fld>
             <a:endParaRPr lang="en-US"/>
           </a:p>
@@ -3001,7 +3001,7 @@
           <a:p>
             <a:fld id="{2C4282D9-4377-4A76-B836-F573A2915493}" type="datetimeFigureOut">
               <a:rPr lang="en-US" smtClean="0"/>
-              <a:t>12/14/2015</a:t>
+              <a:t>2016-04-16</a:t>
             </a:fld>
             <a:endParaRPr lang="en-US"/>
           </a:p>
@@ -4790,11 +4790,6 @@
               </a:rPr>
               <a:t>Malaysia</a:t>
             </a:r>
-            <a:endParaRPr lang="en-US" sz="1200" dirty="0" smtClean="0">
-              <a:solidFill>
-                <a:schemeClr val="tx1"/>
-              </a:solidFill>
-            </a:endParaRPr>
           </a:p>
           <a:p>
             <a:pPr algn="ctr"/>
@@ -4804,31 +4799,7 @@
                   <a:schemeClr val="tx1"/>
                 </a:solidFill>
               </a:rPr>
-              <a:t>Launch in </a:t>
-            </a:r>
-            <a:r>
-              <a:rPr lang="en-US" sz="1200" dirty="0" smtClean="0">
-                <a:solidFill>
-                  <a:schemeClr val="tx1"/>
-                </a:solidFill>
-              </a:rPr>
-              <a:t>Jul</a:t>
-            </a:r>
-            <a:r>
-              <a:rPr lang="en-US" sz="1200" dirty="0" smtClean="0">
-                <a:solidFill>
-                  <a:schemeClr val="tx1"/>
-                </a:solidFill>
-              </a:rPr>
-              <a:t>, </a:t>
-            </a:r>
-            <a:r>
-              <a:rPr lang="en-US" sz="1200" dirty="0" smtClean="0">
-                <a:solidFill>
-                  <a:schemeClr val="tx1"/>
-                </a:solidFill>
-              </a:rPr>
-              <a:t>2015</a:t>
+              <a:t>Launch in Jul, 2015</a:t>
             </a:r>
             <a:endParaRPr lang="en-US" sz="1200" dirty="0">
               <a:solidFill>
@@ -6233,12 +6204,28 @@
           <a:p>
             <a:pPr algn="ctr"/>
             <a:r>
-              <a:rPr lang="en-US" sz="1200" dirty="0" smtClean="0">
+              <a:rPr lang="en-US" sz="1200" dirty="0" err="1" smtClean="0">
                 <a:solidFill>
                   <a:schemeClr val="tx1"/>
                 </a:solidFill>
               </a:rPr>
-              <a:t>Guadalajara, </a:t>
+              <a:t>Guadalaj</a:t>
+            </a:r>
+            <a:r>
+              <a:rPr lang="zh-CN" altLang="en-US" sz="1200" dirty="0" smtClean="0">
+                <a:solidFill>
+                  <a:schemeClr val="tx1"/>
+                </a:solidFill>
+              </a:rPr>
+              <a:t>打发打发</a:t>
+            </a:r>
+            <a:r>
+              <a:rPr lang="en-US" sz="1200" dirty="0" err="1" smtClean="0">
+                <a:solidFill>
+                  <a:schemeClr val="tx1"/>
+                </a:solidFill>
+              </a:rPr>
+              <a:t>ara</a:t>
             </a:r>
             <a:r>
               <a:rPr lang="en-US" sz="1200" dirty="0" smtClean="0">
@@ -6246,13 +6233,8 @@
                   <a:schemeClr val="tx1"/>
                 </a:solidFill>
               </a:rPr>
-              <a:t>Mexico</a:t>
+              <a:t>, Mexico</a:t>
             </a:r>
-            <a:endParaRPr lang="en-US" sz="1200" dirty="0" smtClean="0">
-              <a:solidFill>
-                <a:schemeClr val="tx1"/>
-              </a:solidFill>
-            </a:endParaRPr>
           </a:p>
           <a:p>
             <a:pPr algn="ctr"/>
@@ -6262,15 +6244,7 @@
                   <a:schemeClr val="tx1"/>
                 </a:solidFill>
               </a:rPr>
-              <a:t>Launch in </a:t>
-            </a:r>
-            <a:r>
-              <a:rPr lang="en-US" sz="1200" dirty="0" smtClean="0">
-                <a:solidFill>
-                  <a:schemeClr val="tx1"/>
-                </a:solidFill>
-              </a:rPr>
-              <a:t>Nov, 2015</a:t>
+              <a:t>Launch in Nov, 2015</a:t>
             </a:r>
             <a:endParaRPr lang="en-US" sz="1200" dirty="0">
               <a:solidFill>
